--- a/DV-FinalTerm-PowerPoint.pptx
+++ b/DV-FinalTerm-PowerPoint.pptx
@@ -19454,13 +19454,13 @@
   <p:clrMapOvr>
     <a:masterClrMapping/>
   </p:clrMapOvr>
-  <mc:AlternateContent xmlns:mc="http://schemas.openxmlformats.org/markup-compatibility/2006">
-    <mc:Choice xmlns:p159="http://schemas.microsoft.com/office/powerpoint/2015/09/main" Requires="p159">
+  <mc:AlternateContent xmlns:mc="http://schemas.openxmlformats.org/markup-compatibility/2006" xmlns:p159="http://schemas.microsoft.com/office/powerpoint/2015/09/main">
+    <mc:Choice Requires="p159">
       <p:transition xmlns:p14="http://schemas.microsoft.com/office/powerpoint/2010/main" spd="slow" p14:dur="2000">
         <p159:morph option="byObject"/>
       </p:transition>
     </mc:Choice>
-    <mc:Fallback>
+    <mc:Fallback xmlns="">
       <p:transition spd="slow">
         <p:fade/>
       </p:transition>
@@ -19811,13 +19811,13 @@
   <p:clrMapOvr>
     <a:masterClrMapping/>
   </p:clrMapOvr>
-  <mc:AlternateContent xmlns:mc="http://schemas.openxmlformats.org/markup-compatibility/2006">
-    <mc:Choice xmlns:p159="http://schemas.microsoft.com/office/powerpoint/2015/09/main" Requires="p159">
+  <mc:AlternateContent xmlns:mc="http://schemas.openxmlformats.org/markup-compatibility/2006" xmlns:p159="http://schemas.microsoft.com/office/powerpoint/2015/09/main">
+    <mc:Choice Requires="p159">
       <p:transition xmlns:p14="http://schemas.microsoft.com/office/powerpoint/2010/main" spd="slow" p14:dur="2000">
         <p159:morph option="byObject"/>
       </p:transition>
     </mc:Choice>
-    <mc:Fallback>
+    <mc:Fallback xmlns="">
       <p:transition spd="slow">
         <p:fade/>
       </p:transition>
@@ -21677,13 +21677,13 @@
   <p:clrMapOvr>
     <a:masterClrMapping/>
   </p:clrMapOvr>
-  <mc:AlternateContent xmlns:mc="http://schemas.openxmlformats.org/markup-compatibility/2006">
-    <mc:Choice xmlns:p159="http://schemas.microsoft.com/office/powerpoint/2015/09/main" Requires="p159">
+  <mc:AlternateContent xmlns:mc="http://schemas.openxmlformats.org/markup-compatibility/2006" xmlns:p159="http://schemas.microsoft.com/office/powerpoint/2015/09/main">
+    <mc:Choice Requires="p159">
       <p:transition xmlns:p14="http://schemas.microsoft.com/office/powerpoint/2010/main" spd="slow" p14:dur="2000">
         <p159:morph option="byObject"/>
       </p:transition>
     </mc:Choice>
-    <mc:Fallback>
+    <mc:Fallback xmlns="">
       <p:transition spd="slow">
         <p:fade/>
       </p:transition>
@@ -21885,14 +21885,14 @@
           <p:nvPr>
             <p:extLst>
               <p:ext uri="{D42A27DB-BD31-4B8C-83A1-F6EECF244321}">
-                <p14:modId xmlns:p14="http://schemas.microsoft.com/office/powerpoint/2010/main" val="1786100802"/>
+                <p14:modId xmlns:p14="http://schemas.microsoft.com/office/powerpoint/2010/main" val="371389313"/>
               </p:ext>
             </p:extLst>
           </p:nvPr>
         </p:nvGraphicFramePr>
         <p:xfrm>
           <a:off x="821166" y="1610611"/>
-          <a:ext cx="7501668" cy="2956560"/>
+          <a:ext cx="7501668" cy="2712720"/>
         </p:xfrm>
         <a:graphic>
           <a:graphicData uri="http://schemas.openxmlformats.org/drawingml/2006/table">
@@ -22095,19 +22095,7 @@
                           <a:latin typeface="Times New Roman" panose="02020603050405020304" pitchFamily="18" charset="0"/>
                           <a:cs typeface="Times New Roman" panose="02020603050405020304" pitchFamily="18" charset="0"/>
                         </a:rPr>
-                        <a:t> hướng </a:t>
-                      </a:r>
-                    </a:p>
-                    <a:p>
-                      <a:r>
-                        <a:rPr lang="en-US" sz="1600">
-                          <a:solidFill>
-                            <a:schemeClr val="bg2"/>
-                          </a:solidFill>
-                          <a:latin typeface="Times New Roman" panose="02020603050405020304" pitchFamily="18" charset="0"/>
-                          <a:cs typeface="Times New Roman" panose="02020603050405020304" pitchFamily="18" charset="0"/>
-                        </a:rPr>
-                        <a:t>mượt </a:t>
+                        <a:t> hướng mượt </a:t>
                       </a:r>
                       <a:r>
                         <a:rPr lang="en-US" sz="1600" dirty="0" err="1">
@@ -22669,13 +22657,13 @@
   <p:clrMapOvr>
     <a:masterClrMapping/>
   </p:clrMapOvr>
-  <mc:AlternateContent xmlns:mc="http://schemas.openxmlformats.org/markup-compatibility/2006">
-    <mc:Choice xmlns:p159="http://schemas.microsoft.com/office/powerpoint/2015/09/main" Requires="p159">
+  <mc:AlternateContent xmlns:mc="http://schemas.openxmlformats.org/markup-compatibility/2006" xmlns:p159="http://schemas.microsoft.com/office/powerpoint/2015/09/main">
+    <mc:Choice Requires="p159">
       <p:transition xmlns:p14="http://schemas.microsoft.com/office/powerpoint/2010/main" spd="slow" p14:dur="2000">
         <p159:morph option="byObject"/>
       </p:transition>
     </mc:Choice>
-    <mc:Fallback>
+    <mc:Fallback xmlns="">
       <p:transition spd="slow">
         <p:fade/>
       </p:transition>
@@ -23126,13 +23114,13 @@
   <p:clrMapOvr>
     <a:masterClrMapping/>
   </p:clrMapOvr>
-  <mc:AlternateContent xmlns:mc="http://schemas.openxmlformats.org/markup-compatibility/2006">
-    <mc:Choice xmlns:p159="http://schemas.microsoft.com/office/powerpoint/2015/09/main" Requires="p159">
+  <mc:AlternateContent xmlns:mc="http://schemas.openxmlformats.org/markup-compatibility/2006" xmlns:p159="http://schemas.microsoft.com/office/powerpoint/2015/09/main">
+    <mc:Choice Requires="p159">
       <p:transition xmlns:p14="http://schemas.microsoft.com/office/powerpoint/2010/main" spd="slow" p14:dur="2000">
         <p159:morph option="byObject"/>
       </p:transition>
     </mc:Choice>
-    <mc:Fallback>
+    <mc:Fallback xmlns="">
       <p:transition spd="slow">
         <p:fade/>
       </p:transition>
@@ -23597,13 +23585,13 @@
   <p:clrMapOvr>
     <a:masterClrMapping/>
   </p:clrMapOvr>
-  <mc:AlternateContent xmlns:mc="http://schemas.openxmlformats.org/markup-compatibility/2006">
-    <mc:Choice xmlns:p159="http://schemas.microsoft.com/office/powerpoint/2015/09/main" Requires="p159">
+  <mc:AlternateContent xmlns:mc="http://schemas.openxmlformats.org/markup-compatibility/2006" xmlns:p159="http://schemas.microsoft.com/office/powerpoint/2015/09/main">
+    <mc:Choice Requires="p159">
       <p:transition xmlns:p14="http://schemas.microsoft.com/office/powerpoint/2010/main" spd="slow" p14:dur="2000">
         <p159:morph option="byObject"/>
       </p:transition>
     </mc:Choice>
-    <mc:Fallback>
+    <mc:Fallback xmlns="">
       <p:transition spd="slow">
         <p:fade/>
       </p:transition>
@@ -24870,13 +24858,13 @@
   <p:clrMapOvr>
     <a:masterClrMapping/>
   </p:clrMapOvr>
-  <mc:AlternateContent xmlns:mc="http://schemas.openxmlformats.org/markup-compatibility/2006">
-    <mc:Choice xmlns:p159="http://schemas.microsoft.com/office/powerpoint/2015/09/main" Requires="p159">
+  <mc:AlternateContent xmlns:mc="http://schemas.openxmlformats.org/markup-compatibility/2006" xmlns:p159="http://schemas.microsoft.com/office/powerpoint/2015/09/main">
+    <mc:Choice Requires="p159">
       <p:transition xmlns:p14="http://schemas.microsoft.com/office/powerpoint/2010/main" spd="slow" p14:dur="2000">
         <p159:morph option="byObject"/>
       </p:transition>
     </mc:Choice>
-    <mc:Fallback>
+    <mc:Fallback xmlns="">
       <p:transition spd="slow">
         <p:fade/>
       </p:transition>
@@ -26302,13 +26290,13 @@
   <p:clrMapOvr>
     <a:masterClrMapping/>
   </p:clrMapOvr>
-  <mc:AlternateContent xmlns:mc="http://schemas.openxmlformats.org/markup-compatibility/2006">
-    <mc:Choice xmlns:p159="http://schemas.microsoft.com/office/powerpoint/2015/09/main" Requires="p159">
+  <mc:AlternateContent xmlns:mc="http://schemas.openxmlformats.org/markup-compatibility/2006" xmlns:p159="http://schemas.microsoft.com/office/powerpoint/2015/09/main">
+    <mc:Choice Requires="p159">
       <p:transition xmlns:p14="http://schemas.microsoft.com/office/powerpoint/2010/main" spd="slow" p14:dur="2000">
         <p159:morph option="byObject"/>
       </p:transition>
     </mc:Choice>
-    <mc:Fallback>
+    <mc:Fallback xmlns="">
       <p:transition spd="slow">
         <p:fade/>
       </p:transition>
@@ -26581,13 +26569,13 @@
   <p:clrMapOvr>
     <a:masterClrMapping/>
   </p:clrMapOvr>
-  <mc:AlternateContent xmlns:mc="http://schemas.openxmlformats.org/markup-compatibility/2006">
-    <mc:Choice xmlns:p159="http://schemas.microsoft.com/office/powerpoint/2015/09/main" Requires="p159">
+  <mc:AlternateContent xmlns:mc="http://schemas.openxmlformats.org/markup-compatibility/2006" xmlns:p159="http://schemas.microsoft.com/office/powerpoint/2015/09/main">
+    <mc:Choice Requires="p159">
       <p:transition xmlns:p14="http://schemas.microsoft.com/office/powerpoint/2010/main" spd="slow" p14:dur="2000">
         <p159:morph option="byObject"/>
       </p:transition>
     </mc:Choice>
-    <mc:Fallback>
+    <mc:Fallback xmlns="">
       <p:transition spd="slow">
         <p:fade/>
       </p:transition>
@@ -28407,13 +28395,13 @@
   <p:clrMapOvr>
     <a:masterClrMapping/>
   </p:clrMapOvr>
-  <mc:AlternateContent xmlns:mc="http://schemas.openxmlformats.org/markup-compatibility/2006">
-    <mc:Choice xmlns:p159="http://schemas.microsoft.com/office/powerpoint/2015/09/main" Requires="p159">
+  <mc:AlternateContent xmlns:mc="http://schemas.openxmlformats.org/markup-compatibility/2006" xmlns:p159="http://schemas.microsoft.com/office/powerpoint/2015/09/main">
+    <mc:Choice Requires="p159">
       <p:transition xmlns:p14="http://schemas.microsoft.com/office/powerpoint/2010/main" spd="slow" p14:dur="2000">
         <p159:morph option="byObject"/>
       </p:transition>
     </mc:Choice>
-    <mc:Fallback>
+    <mc:Fallback xmlns="">
       <p:transition spd="slow">
         <p:fade/>
       </p:transition>
@@ -29708,13 +29696,13 @@
   <p:clrMapOvr>
     <a:masterClrMapping/>
   </p:clrMapOvr>
-  <mc:AlternateContent xmlns:mc="http://schemas.openxmlformats.org/markup-compatibility/2006">
-    <mc:Choice xmlns:p159="http://schemas.microsoft.com/office/powerpoint/2015/09/main" Requires="p159">
+  <mc:AlternateContent xmlns:mc="http://schemas.openxmlformats.org/markup-compatibility/2006" xmlns:p159="http://schemas.microsoft.com/office/powerpoint/2015/09/main">
+    <mc:Choice Requires="p159">
       <p:transition xmlns:p14="http://schemas.microsoft.com/office/powerpoint/2010/main" spd="slow" p14:dur="2000">
         <p159:morph option="byObject"/>
       </p:transition>
     </mc:Choice>
-    <mc:Fallback>
+    <mc:Fallback xmlns="">
       <p:transition spd="slow">
         <p:fade/>
       </p:transition>
@@ -30126,13 +30114,13 @@
   <p:clrMapOvr>
     <a:masterClrMapping/>
   </p:clrMapOvr>
-  <mc:AlternateContent xmlns:mc="http://schemas.openxmlformats.org/markup-compatibility/2006">
-    <mc:Choice xmlns:p159="http://schemas.microsoft.com/office/powerpoint/2015/09/main" Requires="p159">
+  <mc:AlternateContent xmlns:mc="http://schemas.openxmlformats.org/markup-compatibility/2006" xmlns:p159="http://schemas.microsoft.com/office/powerpoint/2015/09/main">
+    <mc:Choice Requires="p159">
       <p:transition xmlns:p14="http://schemas.microsoft.com/office/powerpoint/2010/main" spd="slow" p14:dur="2000">
         <p159:morph option="byObject"/>
       </p:transition>
     </mc:Choice>
-    <mc:Fallback>
+    <mc:Fallback xmlns="">
       <p:transition spd="slow">
         <p:fade/>
       </p:transition>
@@ -31531,13 +31519,13 @@
   <p:clrMapOvr>
     <a:masterClrMapping/>
   </p:clrMapOvr>
-  <mc:AlternateContent xmlns:mc="http://schemas.openxmlformats.org/markup-compatibility/2006">
-    <mc:Choice xmlns:p159="http://schemas.microsoft.com/office/powerpoint/2015/09/main" Requires="p159">
+  <mc:AlternateContent xmlns:mc="http://schemas.openxmlformats.org/markup-compatibility/2006" xmlns:p159="http://schemas.microsoft.com/office/powerpoint/2015/09/main">
+    <mc:Choice Requires="p159">
       <p:transition xmlns:p14="http://schemas.microsoft.com/office/powerpoint/2010/main" spd="slow" p14:dur="2000">
         <p159:morph option="byObject"/>
       </p:transition>
     </mc:Choice>
-    <mc:Fallback>
+    <mc:Fallback xmlns="">
       <p:transition spd="slow">
         <p:fade/>
       </p:transition>
@@ -31820,13 +31808,13 @@
   <p:clrMapOvr>
     <a:masterClrMapping/>
   </p:clrMapOvr>
-  <mc:AlternateContent xmlns:mc="http://schemas.openxmlformats.org/markup-compatibility/2006">
-    <mc:Choice xmlns:p159="http://schemas.microsoft.com/office/powerpoint/2015/09/main" Requires="p159">
+  <mc:AlternateContent xmlns:mc="http://schemas.openxmlformats.org/markup-compatibility/2006" xmlns:p159="http://schemas.microsoft.com/office/powerpoint/2015/09/main">
+    <mc:Choice Requires="p159">
       <p:transition xmlns:p14="http://schemas.microsoft.com/office/powerpoint/2010/main" spd="slow" p14:dur="2000">
         <p159:morph option="byObject"/>
       </p:transition>
     </mc:Choice>
-    <mc:Fallback>
+    <mc:Fallback xmlns="">
       <p:transition spd="slow">
         <p:fade/>
       </p:transition>

--- a/DV-FinalTerm-PowerPoint.pptx
+++ b/DV-FinalTerm-PowerPoint.pptx
@@ -19208,7 +19208,7 @@
               <a:rPr lang="en-US" sz="4000" b="1">
                 <a:latin typeface="+mj-lt"/>
               </a:rPr>
-              <a:t>năm 2021 </a:t>
+              <a:t>năm 2023 </a:t>
             </a:r>
             <a:br>
               <a:rPr lang="en-US" sz="4000" b="1">
@@ -19995,7 +19995,7 @@
           <p:nvPr>
             <p:extLst>
               <p:ext uri="{D42A27DB-BD31-4B8C-83A1-F6EECF244321}">
-                <p14:modId xmlns:p14="http://schemas.microsoft.com/office/powerpoint/2010/main" val="432374632"/>
+                <p14:modId xmlns:p14="http://schemas.microsoft.com/office/powerpoint/2010/main" val="3327255581"/>
               </p:ext>
             </p:extLst>
           </p:nvPr>
@@ -20657,7 +20657,7 @@
                           <a:latin typeface="Times New Roman" panose="02020603050405020304" pitchFamily="18" charset="0"/>
                           <a:cs typeface="Times New Roman" panose="02020603050405020304" pitchFamily="18" charset="0"/>
                         </a:rPr>
-                        <a:t> điểm thi THPT QG năm 2021 đã </a:t>
+                        <a:t> điểm thi THPT QG năm 2023 đã </a:t>
                       </a:r>
                       <a:r>
                         <a:rPr lang="en-US" sz="1600" baseline="0" dirty="0" err="1">
@@ -21885,14 +21885,14 @@
           <p:nvPr>
             <p:extLst>
               <p:ext uri="{D42A27DB-BD31-4B8C-83A1-F6EECF244321}">
-                <p14:modId xmlns:p14="http://schemas.microsoft.com/office/powerpoint/2010/main" val="371389313"/>
+                <p14:modId xmlns:p14="http://schemas.microsoft.com/office/powerpoint/2010/main" val="961147216"/>
               </p:ext>
             </p:extLst>
           </p:nvPr>
         </p:nvGraphicFramePr>
         <p:xfrm>
           <a:off x="821166" y="1610611"/>
-          <a:ext cx="7501668" cy="2712720"/>
+          <a:ext cx="7501668" cy="2468880"/>
         </p:xfrm>
         <a:graphic>
           <a:graphicData uri="http://schemas.openxmlformats.org/drawingml/2006/table">
@@ -22588,7 +22588,7 @@
                           <a:latin typeface="Times New Roman" panose="02020603050405020304" pitchFamily="18" charset="0"/>
                           <a:cs typeface="Times New Roman" panose="02020603050405020304" pitchFamily="18" charset="0"/>
                         </a:rPr>
-                        <a:t>Có tích hợp trí tuệ nhân tạo (AI) vào trang web. Việc tích hợp này dựa trên nền tảng LM Studio, hỗ trợ đưa ra các gợi ý thông minh, phù hợp với nhu cầu sử dụng.</a:t>
+                        <a:t>Có tích hợp trí tuệ nhân tạo (AI) vào trang web. Việc tích hợp này dựa trên nền tảng Chatgpt, có khả năng đọc tài liệu và trả lời câu hỏi.</a:t>
                       </a:r>
                       <a:endParaRPr lang="en-US" sz="1600" dirty="0">
                         <a:solidFill>
@@ -26738,7 +26738,7 @@
         <p:spPr>
           <a:xfrm>
             <a:off x="304799" y="1849497"/>
-            <a:ext cx="3479182" cy="2486160"/>
+            <a:ext cx="3998274" cy="2796844"/>
           </a:xfrm>
           <a:prstGeom prst="rect">
             <a:avLst/>
@@ -26773,7 +26773,7 @@
                 <a:latin typeface="Times New Roman" panose="02020603050405020304" pitchFamily="18" charset="0"/>
                 <a:cs typeface="Times New Roman" panose="02020603050405020304" pitchFamily="18" charset="0"/>
               </a:rPr>
-              <a:t>Vietnam National HS Graduation Exam – 2021.</a:t>
+              <a:t>Vietnamese National HS Graduation Exam 2023.</a:t>
             </a:r>
             <a:endParaRPr lang="en-US" sz="1600">
               <a:latin typeface="Times New Roman" panose="02020603050405020304" pitchFamily="18" charset="0"/>
@@ -26928,7 +26928,7 @@
               <a:t> </a:t>
             </a:r>
             <a:r>
-              <a:rPr lang="en-US" sz="1600" dirty="0" err="1">
+              <a:rPr lang="en-US" sz="1600" err="1">
                 <a:latin typeface="Times New Roman" panose="02020603050405020304" pitchFamily="18" charset="0"/>
                 <a:cs typeface="Times New Roman" panose="02020603050405020304" pitchFamily="18" charset="0"/>
               </a:rPr>
@@ -26939,7 +26939,7 @@
                 <a:latin typeface="Times New Roman" panose="02020603050405020304" pitchFamily="18" charset="0"/>
                 <a:cs typeface="Times New Roman" panose="02020603050405020304" pitchFamily="18" charset="0"/>
               </a:rPr>
-              <a:t>: 995381.</a:t>
+              <a:t>: 876102.</a:t>
             </a:r>
             <a:endParaRPr lang="en-US" sz="1600" dirty="0">
               <a:latin typeface="Times New Roman" panose="02020603050405020304" pitchFamily="18" charset="0"/>
@@ -27011,7 +27011,7 @@
                 <a:latin typeface="Times New Roman" panose="02020603050405020304" pitchFamily="18" charset="0"/>
                 <a:cs typeface="Times New Roman" panose="02020603050405020304" pitchFamily="18" charset="0"/>
               </a:rPr>
-              <a:t>: 19.</a:t>
+              <a:t>: 11.</a:t>
             </a:r>
             <a:endParaRPr lang="en-US" sz="1600" dirty="0">
               <a:latin typeface="Times New Roman" panose="02020603050405020304" pitchFamily="18" charset="0"/>
@@ -27062,8 +27062,8 @@
         </p:nvSpPr>
         <p:spPr>
           <a:xfrm>
-            <a:off x="3783981" y="1805205"/>
-            <a:ext cx="5055220" cy="2978365"/>
+            <a:off x="4480657" y="1805205"/>
+            <a:ext cx="4358543" cy="2978365"/>
           </a:xfrm>
           <a:prstGeom prst="rect">
             <a:avLst/>
@@ -27165,7 +27165,7 @@
                 <a:latin typeface="Times New Roman" panose="02020603050405020304" pitchFamily="18" charset="0"/>
                 <a:cs typeface="Times New Roman" panose="02020603050405020304" pitchFamily="18" charset="0"/>
               </a:rPr>
-              <a:t>Thuộc tính định tính Năm: Năm thi của thí sinh.</a:t>
+              <a:t>9 thuộc tính định lượng là điểm của các môn học, lần lượt là: Toán, Văn, Lý, Hóa, Sinh, Ngoại ngữ, Sử, Địa, GDCD.</a:t>
             </a:r>
           </a:p>
           <a:p>
@@ -27184,26 +27184,7 @@
                 <a:latin typeface="Times New Roman" panose="02020603050405020304" pitchFamily="18" charset="0"/>
                 <a:cs typeface="Times New Roman" panose="02020603050405020304" pitchFamily="18" charset="0"/>
               </a:rPr>
-              <a:t>16 thuộc tính định lượng là điểm của các môn học, lần lượt là: Toán, Văn, Lý, Hóa, Sinh, Tiếng Anh, Sử, Địa, GDCD, và các môn ngoại ngữ khác (như Tiếng Trung, Tiếng Nhật, …).</a:t>
-            </a:r>
-          </a:p>
-          <a:p>
-            <a:pPr marL="285750" lvl="0" indent="-285750" algn="l" rtl="0">
-              <a:spcBef>
-                <a:spcPts val="0"/>
-              </a:spcBef>
-              <a:spcAft>
-                <a:spcPts val="1600"/>
-              </a:spcAft>
-              <a:buFont typeface="Arial" panose="020B0604020202020204" pitchFamily="34" charset="0"/>
-              <a:buChar char="•"/>
-            </a:pPr>
-            <a:r>
-              <a:rPr lang="en-US" sz="1600">
-                <a:latin typeface="Times New Roman" panose="02020603050405020304" pitchFamily="18" charset="0"/>
-                <a:cs typeface="Times New Roman" panose="02020603050405020304" pitchFamily="18" charset="0"/>
-              </a:rPr>
-              <a:t>1 thuộc tính định tính về mã môn thi ngoại ngữ (với N1 là Tiếng Anh).</a:t>
+              <a:t>1 thuộc tính định tính về mã môn thi ngoại ngữ (trong đó N1 là Tiếng Anh).</a:t>
             </a:r>
           </a:p>
           <a:p>
